--- a/SamplePPT.pptx
+++ b/SamplePPT.pptx
@@ -3619,7 +3619,7 @@
         <p:spPr>
           <a:xfrm>
             <a:off x="2698156" y="1147452"/>
-            <a:ext cx="8229600" cy="1200329"/>
+            <a:ext cx="8229600" cy="830997"/>
           </a:xfrm>
           <a:prstGeom prst="rect">
             <a:avLst/>
@@ -3641,7 +3641,7 @@
                 </a:solidFill>
                 <a:latin typeface="Bahnschrift" panose="020B0502040204020203" pitchFamily="34" charset="0"/>
               </a:rPr>
-              <a:t>As an automation test engineer, I want to validate all the graph components automatically without involvement human.</a:t>
+              <a:t>As an automation test engineer, I want to validate all the web application automatically without involvement human.</a:t>
             </a:r>
             <a:endParaRPr lang="en-IN" sz="2400" dirty="0">
               <a:solidFill>
@@ -3656,10 +3656,10 @@
       </p:sp>
       <p:pic>
         <p:nvPicPr>
-          <p:cNvPr id="12" name="Picture 11">
-            <a:extLst>
-              <a:ext uri="{FF2B5EF4-FFF2-40B4-BE49-F238E27FC236}">
-                <a16:creationId xmlns:a16="http://schemas.microsoft.com/office/drawing/2014/main" id="{2FAB356D-F2B7-1556-6A1A-4EF061121D63}"/>
+          <p:cNvPr id="4" name="Picture 3">
+            <a:extLst>
+              <a:ext uri="{FF2B5EF4-FFF2-40B4-BE49-F238E27FC236}">
+                <a16:creationId xmlns:a16="http://schemas.microsoft.com/office/drawing/2014/main" id="{51FB025C-6661-DC91-33F8-9406FCBFA881}"/>
               </a:ext>
             </a:extLst>
           </p:cNvPr>
@@ -3676,8 +3676,8 @@
         </p:blipFill>
         <p:spPr>
           <a:xfrm>
-            <a:off x="2698156" y="2498177"/>
-            <a:ext cx="8229600" cy="4075209"/>
+            <a:off x="2921892" y="2071991"/>
+            <a:ext cx="7782128" cy="4377447"/>
           </a:xfrm>
           <a:prstGeom prst="rect">
             <a:avLst/>
@@ -3728,7 +3728,7 @@
                                           </p:stCondLst>
                                         </p:cTn>
                                         <p:tgtEl>
-                                          <p:spTgt spid="12"/>
+                                          <p:spTgt spid="9"/>
                                         </p:tgtEl>
                                         <p:attrNameLst>
                                           <p:attrName>style.visibility</p:attrName>
@@ -3760,7 +3760,7 @@
                             </p:stCondLst>
                             <p:childTnLst>
                               <p:par>
-                                <p:cTn id="9" presetID="1" presetClass="entr" presetSubtype="0" fill="hold" nodeType="clickEffect">
+                                <p:cTn id="9" presetID="16" presetClass="entr" presetSubtype="21" fill="hold" grpId="0" nodeType="clickEffect">
                                   <p:stCondLst>
                                     <p:cond delay="0"/>
                                   </p:stCondLst>
@@ -3768,51 +3768,6 @@
                                     <p:set>
                                       <p:cBhvr>
                                         <p:cTn id="10" dur="1" fill="hold">
-                                          <p:stCondLst>
-                                            <p:cond delay="0"/>
-                                          </p:stCondLst>
-                                        </p:cTn>
-                                        <p:tgtEl>
-                                          <p:spTgt spid="9"/>
-                                        </p:tgtEl>
-                                        <p:attrNameLst>
-                                          <p:attrName>style.visibility</p:attrName>
-                                        </p:attrNameLst>
-                                      </p:cBhvr>
-                                      <p:to>
-                                        <p:strVal val="visible"/>
-                                      </p:to>
-                                    </p:set>
-                                  </p:childTnLst>
-                                </p:cTn>
-                              </p:par>
-                            </p:childTnLst>
-                          </p:cTn>
-                        </p:par>
-                      </p:childTnLst>
-                    </p:cTn>
-                  </p:par>
-                  <p:par>
-                    <p:cTn id="11" fill="hold">
-                      <p:stCondLst>
-                        <p:cond delay="indefinite"/>
-                      </p:stCondLst>
-                      <p:childTnLst>
-                        <p:par>
-                          <p:cTn id="12" fill="hold">
-                            <p:stCondLst>
-                              <p:cond delay="0"/>
-                            </p:stCondLst>
-                            <p:childTnLst>
-                              <p:par>
-                                <p:cTn id="13" presetID="16" presetClass="entr" presetSubtype="21" fill="hold" grpId="0" nodeType="clickEffect">
-                                  <p:stCondLst>
-                                    <p:cond delay="0"/>
-                                  </p:stCondLst>
-                                  <p:childTnLst>
-                                    <p:set>
-                                      <p:cBhvr>
-                                        <p:cTn id="14" dur="1" fill="hold">
                                           <p:stCondLst>
                                             <p:cond delay="0"/>
                                           </p:stCondLst>
@@ -3830,7 +3785,7 @@
                                     </p:set>
                                     <p:animEffect transition="in" filter="barn(inVertical)">
                                       <p:cBhvr>
-                                        <p:cTn id="15" dur="500"/>
+                                        <p:cTn id="11" dur="500"/>
                                         <p:tgtEl>
                                           <p:spTgt spid="10"/>
                                         </p:tgtEl>
@@ -4751,7 +4706,7 @@
             </a:pPr>
             <a:r>
               <a:rPr lang="en-US" sz="2400" dirty="0"/>
-              <a:t>Load the graph</a:t>
+              <a:t>Load the application.</a:t>
             </a:r>
           </a:p>
           <a:p>
@@ -4760,7 +4715,7 @@
             </a:pPr>
             <a:r>
               <a:rPr lang="en-US" sz="2400" dirty="0"/>
-              <a:t>Identifies entities and transactions details and validate graph automatically.</a:t>
+              <a:t>Identifies elements and fields details and validate it automatically.</a:t>
             </a:r>
             <a:endParaRPr lang="en-IN" sz="2400" dirty="0"/>
           </a:p>
@@ -6700,59 +6655,6 @@
       </p:pic>
       <p:sp>
         <p:nvSpPr>
-          <p:cNvPr id="15" name="Arrow: Striped Right 14">
-            <a:extLst>
-              <a:ext uri="{FF2B5EF4-FFF2-40B4-BE49-F238E27FC236}">
-                <a16:creationId xmlns:a16="http://schemas.microsoft.com/office/drawing/2014/main" id="{71C5DC5D-D693-D0E2-522C-7575B0CED4B2}"/>
-              </a:ext>
-            </a:extLst>
-          </p:cNvPr>
-          <p:cNvSpPr/>
-          <p:nvPr/>
-        </p:nvSpPr>
-        <p:spPr>
-          <a:xfrm>
-            <a:off x="7664784" y="2195216"/>
-            <a:ext cx="807396" cy="841443"/>
-          </a:xfrm>
-          <a:prstGeom prst="stripedRightArrow">
-            <a:avLst/>
-          </a:prstGeom>
-          <a:solidFill>
-            <a:srgbClr val="0070C0"/>
-          </a:solidFill>
-          <a:ln w="25400" cmpd="dbl">
-            <a:solidFill>
-              <a:srgbClr val="92D050"/>
-            </a:solidFill>
-            <a:prstDash val="sysDash"/>
-          </a:ln>
-        </p:spPr>
-        <p:style>
-          <a:lnRef idx="2">
-            <a:schemeClr val="accent1"/>
-          </a:lnRef>
-          <a:fillRef idx="1">
-            <a:schemeClr val="lt1"/>
-          </a:fillRef>
-          <a:effectRef idx="0">
-            <a:schemeClr val="accent1"/>
-          </a:effectRef>
-          <a:fontRef idx="minor">
-            <a:schemeClr val="dk1"/>
-          </a:fontRef>
-        </p:style>
-        <p:txBody>
-          <a:bodyPr rtlCol="0" anchor="ctr"/>
-          <a:lstStyle/>
-          <a:p>
-            <a:pPr algn="ctr"/>
-            <a:endParaRPr lang="en-IN" dirty="0"/>
-          </a:p>
-        </p:txBody>
-      </p:sp>
-      <p:sp>
-        <p:nvSpPr>
           <p:cNvPr id="17" name="Double Brace 16">
             <a:extLst>
               <a:ext uri="{FF2B5EF4-FFF2-40B4-BE49-F238E27FC236}">
@@ -6831,8 +6733,8 @@
           </a:p>
         </p:txBody>
       </p:sp>
-      <mc:AlternateContent xmlns:mc="http://schemas.openxmlformats.org/markup-compatibility/2006">
-        <mc:Choice xmlns:a14="http://schemas.microsoft.com/office/drawing/2010/main" Requires="a14">
+      <mc:AlternateContent xmlns:mc="http://schemas.openxmlformats.org/markup-compatibility/2006" xmlns:a14="http://schemas.microsoft.com/office/drawing/2010/main">
+        <mc:Choice Requires="a14">
           <p:sp>
             <p:nvSpPr>
               <p:cNvPr id="20" name="TextBox 19">
@@ -6962,7 +6864,7 @@
             </p:txBody>
           </p:sp>
         </mc:Choice>
-        <mc:Fallback>
+        <mc:Fallback xmlns="">
           <p:sp>
             <p:nvSpPr>
               <p:cNvPr id="20" name="TextBox 19">
@@ -7118,7 +7020,7 @@
                   <a:srgbClr val="C00000"/>
                 </a:solidFill>
               </a:rPr>
-              <a:t>Save 94.5%</a:t>
+              <a:t>Save 99%</a:t>
             </a:r>
             <a:r>
               <a:rPr lang="en-US" b="1" dirty="0">
@@ -7136,7 +7038,7 @@
                   <a:srgbClr val="C00000"/>
                 </a:solidFill>
               </a:rPr>
-              <a:t>56.67 man-hour/Regression Cycle per release</a:t>
+              <a:t>80 man-hour/Regression Cycle per release</a:t>
             </a:r>
             <a:r>
               <a:rPr lang="en-US" b="1" dirty="0">
